--- a/lesson24.pptx
+++ b/lesson24.pptx
@@ -193,10 +193,49 @@
   <pc:docChgLst>
     <pc:chgData name="Anatoliy Kigel" userId="7432c6c4687b0a9c" providerId="LiveId" clId="{FBDD082D-35A3-4C06-887E-CF653FBA4190}"/>
     <pc:docChg chg="custSel addSld delSld modSld sldOrd">
-      <pc:chgData name="Anatoliy Kigel" userId="7432c6c4687b0a9c" providerId="LiveId" clId="{FBDD082D-35A3-4C06-887E-CF653FBA4190}" dt="2024-09-13T05:10:08.988" v="6" actId="478"/>
+      <pc:chgData name="Anatoliy Kigel" userId="7432c6c4687b0a9c" providerId="LiveId" clId="{FBDD082D-35A3-4C06-887E-CF653FBA4190}" dt="2024-09-15T06:38:06.613" v="13" actId="1036"/>
       <pc:docMkLst>
         <pc:docMk/>
       </pc:docMkLst>
+      <pc:sldChg chg="delSp modSp mod">
+        <pc:chgData name="Anatoliy Kigel" userId="7432c6c4687b0a9c" providerId="LiveId" clId="{FBDD082D-35A3-4C06-887E-CF653FBA4190}" dt="2024-09-15T06:38:06.613" v="13" actId="1036"/>
+        <pc:sldMkLst>
+          <pc:docMk/>
+          <pc:sldMk cId="2386229304" sldId="378"/>
+        </pc:sldMkLst>
+        <pc:spChg chg="mod">
+          <ac:chgData name="Anatoliy Kigel" userId="7432c6c4687b0a9c" providerId="LiveId" clId="{FBDD082D-35A3-4C06-887E-CF653FBA4190}" dt="2024-09-15T06:38:06.613" v="13" actId="1036"/>
+          <ac:spMkLst>
+            <pc:docMk/>
+            <pc:sldMk cId="2386229304" sldId="378"/>
+            <ac:spMk id="15" creationId="{00000000-0000-0000-0000-000000000000}"/>
+          </ac:spMkLst>
+        </pc:spChg>
+        <pc:spChg chg="mod">
+          <ac:chgData name="Anatoliy Kigel" userId="7432c6c4687b0a9c" providerId="LiveId" clId="{FBDD082D-35A3-4C06-887E-CF653FBA4190}" dt="2024-09-15T06:38:06.613" v="13" actId="1036"/>
+          <ac:spMkLst>
+            <pc:docMk/>
+            <pc:sldMk cId="2386229304" sldId="378"/>
+            <ac:spMk id="16" creationId="{00000000-0000-0000-0000-000000000000}"/>
+          </ac:spMkLst>
+        </pc:spChg>
+        <pc:spChg chg="mod">
+          <ac:chgData name="Anatoliy Kigel" userId="7432c6c4687b0a9c" providerId="LiveId" clId="{FBDD082D-35A3-4C06-887E-CF653FBA4190}" dt="2024-09-15T06:38:06.613" v="13" actId="1036"/>
+          <ac:spMkLst>
+            <pc:docMk/>
+            <pc:sldMk cId="2386229304" sldId="378"/>
+            <ac:spMk id="17" creationId="{00000000-0000-0000-0000-000000000000}"/>
+          </ac:spMkLst>
+        </pc:spChg>
+        <pc:spChg chg="del">
+          <ac:chgData name="Anatoliy Kigel" userId="7432c6c4687b0a9c" providerId="LiveId" clId="{FBDD082D-35A3-4C06-887E-CF653FBA4190}" dt="2024-09-15T06:38:00.989" v="7" actId="478"/>
+          <ac:spMkLst>
+            <pc:docMk/>
+            <pc:sldMk cId="2386229304" sldId="378"/>
+            <ac:spMk id="18" creationId="{00000000-0000-0000-0000-000000000000}"/>
+          </ac:spMkLst>
+        </pc:spChg>
+      </pc:sldChg>
       <pc:sldChg chg="del">
         <pc:chgData name="Anatoliy Kigel" userId="7432c6c4687b0a9c" providerId="LiveId" clId="{FBDD082D-35A3-4C06-887E-CF653FBA4190}" dt="2024-09-13T05:09:48.004" v="0" actId="47"/>
         <pc:sldMkLst>
@@ -1405,7 +1444,7 @@
             <a:fld id="{85522811-C5C6-42D2-A409-F8556720C93F}" type="datetimeFigureOut">
               <a:rPr lang="uk-UA" smtClean="0"/>
               <a:pPr/>
-              <a:t>13.09.2024</a:t>
+              <a:t>15.09.2024</a:t>
             </a:fld>
             <a:endParaRPr lang="uk-UA" dirty="0"/>
           </a:p>
@@ -2042,7 +2081,7 @@
             <a:fld id="{0A2E6AC4-C3FE-4E70-88D1-136405B25267}" type="datetime1">
               <a:rPr lang="uk-UA" smtClean="0"/>
               <a:pPr/>
-              <a:t>13.09.2024</a:t>
+              <a:t>15.09.2024</a:t>
             </a:fld>
             <a:endParaRPr lang="uk-UA" dirty="0"/>
           </a:p>
@@ -2209,7 +2248,7 @@
             <a:fld id="{B4D85949-5AE9-41F1-B18C-DA1006B0E8CC}" type="datetime1">
               <a:rPr lang="uk-UA" smtClean="0"/>
               <a:pPr/>
-              <a:t>13.09.2024</a:t>
+              <a:t>15.09.2024</a:t>
             </a:fld>
             <a:endParaRPr lang="uk-UA" dirty="0"/>
           </a:p>
@@ -2386,7 +2425,7 @@
             <a:fld id="{B20C227C-94C5-4BA1-A89C-1C7570144B22}" type="datetime1">
               <a:rPr lang="uk-UA" smtClean="0"/>
               <a:pPr/>
-              <a:t>13.09.2024</a:t>
+              <a:t>15.09.2024</a:t>
             </a:fld>
             <a:endParaRPr lang="uk-UA" dirty="0"/>
           </a:p>
@@ -2553,7 +2592,7 @@
             <a:fld id="{68E2E168-B245-4D8D-8538-B29990DBF87B}" type="datetime1">
               <a:rPr lang="uk-UA" smtClean="0"/>
               <a:pPr/>
-              <a:t>13.09.2024</a:t>
+              <a:t>15.09.2024</a:t>
             </a:fld>
             <a:endParaRPr lang="uk-UA" dirty="0"/>
           </a:p>
@@ -2796,7 +2835,7 @@
             <a:fld id="{356DAF6E-7007-4E61-B36E-794BF232B234}" type="datetime1">
               <a:rPr lang="uk-UA" smtClean="0"/>
               <a:pPr/>
-              <a:t>13.09.2024</a:t>
+              <a:t>15.09.2024</a:t>
             </a:fld>
             <a:endParaRPr lang="uk-UA" dirty="0"/>
           </a:p>
@@ -3081,7 +3120,7 @@
             <a:fld id="{4B2141DD-FE72-44AA-B946-B70892F1F5B7}" type="datetime1">
               <a:rPr lang="uk-UA" smtClean="0"/>
               <a:pPr/>
-              <a:t>13.09.2024</a:t>
+              <a:t>15.09.2024</a:t>
             </a:fld>
             <a:endParaRPr lang="uk-UA" dirty="0"/>
           </a:p>
@@ -3500,7 +3539,7 @@
             <a:fld id="{D1C4DC7C-6CC4-4D1F-A21B-A650800E0532}" type="datetime1">
               <a:rPr lang="uk-UA" smtClean="0"/>
               <a:pPr/>
-              <a:t>13.09.2024</a:t>
+              <a:t>15.09.2024</a:t>
             </a:fld>
             <a:endParaRPr lang="uk-UA" dirty="0"/>
           </a:p>
@@ -3615,7 +3654,7 @@
             <a:fld id="{09E753FA-BE70-4E9D-A1A2-A798C2E22C2C}" type="datetime1">
               <a:rPr lang="uk-UA" smtClean="0"/>
               <a:pPr/>
-              <a:t>13.09.2024</a:t>
+              <a:t>15.09.2024</a:t>
             </a:fld>
             <a:endParaRPr lang="uk-UA" dirty="0"/>
           </a:p>
@@ -3707,7 +3746,7 @@
             <a:fld id="{BC4E9D1B-A194-48C6-B5A1-4C29D0F81227}" type="datetime1">
               <a:rPr lang="uk-UA" smtClean="0"/>
               <a:pPr/>
-              <a:t>13.09.2024</a:t>
+              <a:t>15.09.2024</a:t>
             </a:fld>
             <a:endParaRPr lang="uk-UA" dirty="0"/>
           </a:p>
@@ -3981,7 +4020,7 @@
             <a:fld id="{98DC5B78-3AEE-4E8C-84A2-DF8B252C6B7D}" type="datetime1">
               <a:rPr lang="uk-UA" smtClean="0"/>
               <a:pPr/>
-              <a:t>13.09.2024</a:t>
+              <a:t>15.09.2024</a:t>
             </a:fld>
             <a:endParaRPr lang="uk-UA" dirty="0"/>
           </a:p>
@@ -4231,7 +4270,7 @@
             <a:fld id="{08E6AC05-7690-4D29-B090-15CFA8055B58}" type="datetime1">
               <a:rPr lang="uk-UA" smtClean="0"/>
               <a:pPr/>
-              <a:t>13.09.2024</a:t>
+              <a:t>15.09.2024</a:t>
             </a:fld>
             <a:endParaRPr lang="uk-UA" dirty="0"/>
           </a:p>
@@ -4441,7 +4480,7 @@
             <a:fld id="{C4778AB5-85A2-4D58-9351-A198925B541D}" type="datetime1">
               <a:rPr lang="uk-UA" smtClean="0"/>
               <a:pPr/>
-              <a:t>13.09.2024</a:t>
+              <a:t>15.09.2024</a:t>
             </a:fld>
             <a:endParaRPr lang="uk-UA" dirty="0"/>
           </a:p>
@@ -12050,7 +12089,7 @@
         </p:nvSpPr>
         <p:spPr>
           <a:xfrm>
-            <a:off x="0" y="704890"/>
+            <a:off x="0" y="1102673"/>
             <a:ext cx="12192000" cy="707886"/>
           </a:xfrm>
           <a:prstGeom prst="rect">
@@ -12081,7 +12120,7 @@
         </p:nvSpPr>
         <p:spPr>
           <a:xfrm>
-            <a:off x="0" y="1412776"/>
+            <a:off x="0" y="1810559"/>
             <a:ext cx="12191999" cy="523220"/>
           </a:xfrm>
           <a:prstGeom prst="rect">
@@ -12111,7 +12150,7 @@
         </p:nvSpPr>
         <p:spPr>
           <a:xfrm>
-            <a:off x="1595500" y="2420888"/>
+            <a:off x="1595500" y="2818671"/>
             <a:ext cx="9001000" cy="2554545"/>
           </a:xfrm>
           <a:prstGeom prst="rect">
@@ -12217,42 +12256,6 @@
               <a:rPr lang="ru-RU" sz="3200" dirty="0"/>
               <a:t>.</a:t>
             </a:r>
-          </a:p>
-        </p:txBody>
-      </p:sp>
-      <p:sp>
-        <p:nvSpPr>
-          <p:cNvPr id="18" name="Прямоугольник 17"/>
-          <p:cNvSpPr/>
-          <p:nvPr/>
-        </p:nvSpPr>
-        <p:spPr>
-          <a:xfrm>
-            <a:off x="0" y="5786100"/>
-            <a:ext cx="12192000" cy="523220"/>
-          </a:xfrm>
-          <a:prstGeom prst="rect">
-            <a:avLst/>
-          </a:prstGeom>
-        </p:spPr>
-        <p:txBody>
-          <a:bodyPr wrap="square">
-            <a:spAutoFit/>
-          </a:bodyPr>
-          <a:lstStyle/>
-          <a:p>
-            <a:pPr algn="ctr"/>
-            <a:r>
-              <a:rPr lang="ru-RU" sz="2800" b="1" dirty="0"/>
-              <a:t>Подробнее: </a:t>
-            </a:r>
-            <a:r>
-              <a:rPr lang="en-US" sz="2800" b="1" dirty="0">
-                <a:hlinkClick r:id="rId2"/>
-              </a:rPr>
-              <a:t>https://learn.javascript.ru/dom-nodes</a:t>
-            </a:r>
-            <a:endParaRPr lang="ru-RU" sz="2800" b="1" dirty="0"/>
           </a:p>
         </p:txBody>
       </p:sp>
